--- a/06092016_NACorrection_Update.pptx
+++ b/06092016_NACorrection_Update.pptx
@@ -6,13 +6,14 @@
     <p:sldMasterId id="2147483661" r:id="rId2"/>
   </p:sldMasterIdLst>
   <p:notesMasterIdLst>
-    <p:notesMasterId r:id="rId7"/>
+    <p:notesMasterId r:id="rId8"/>
   </p:notesMasterIdLst>
   <p:sldIdLst>
     <p:sldId id="256" r:id="rId3"/>
-    <p:sldId id="315" r:id="rId4"/>
-    <p:sldId id="352" r:id="rId5"/>
-    <p:sldId id="353" r:id="rId6"/>
+    <p:sldId id="354" r:id="rId4"/>
+    <p:sldId id="315" r:id="rId5"/>
+    <p:sldId id="352" r:id="rId6"/>
+    <p:sldId id="353" r:id="rId7"/>
   </p:sldIdLst>
   <p:sldSz cx="9144000" cy="5143500" type="screen16x9"/>
   <p:notesSz cx="7559675" cy="10691813"/>
@@ -4091,6 +4092,28 @@
               </a:lnSpc>
             </a:pPr>
             <a:r>
+              <a:rPr lang="en-US" sz="2400" dirty="0" err="1">
+                <a:solidFill>
+                  <a:srgbClr val="434343"/>
+                </a:solidFill>
+                <a:latin typeface="Oxygen" charset="0"/>
+                <a:ea typeface="Oxygen" charset="0"/>
+                <a:cs typeface="Oxygen" charset="0"/>
+              </a:rPr>
+              <a:t>c</a:t>
+            </a:r>
+            <a:r>
+              <a:rPr lang="en-US" sz="2400" dirty="0" err="1" smtClean="0">
+                <a:solidFill>
+                  <a:srgbClr val="434343"/>
+                </a:solidFill>
+                <a:latin typeface="Oxygen" charset="0"/>
+                <a:ea typeface="Oxygen" charset="0"/>
+                <a:cs typeface="Oxygen" charset="0"/>
+              </a:rPr>
+              <a:t>orna</a:t>
+            </a:r>
+            <a:r>
               <a:rPr lang="en-US" sz="2400" dirty="0" smtClean="0">
                 <a:solidFill>
                   <a:srgbClr val="434343"/>
@@ -4099,7 +4122,7 @@
                 <a:ea typeface="Oxygen" charset="0"/>
                 <a:cs typeface="Oxygen" charset="0"/>
               </a:rPr>
-              <a:t>CorNA : NA Correction Tool</a:t>
+              <a:t> : NA Correction Tool</a:t>
             </a:r>
             <a:endParaRPr dirty="0">
               <a:latin typeface="Oxygen" charset="0"/>
@@ -4259,18 +4282,10 @@
               </a:lnSpc>
             </a:pPr>
             <a:r>
-              <a:rPr lang="en-US" dirty="0" smtClean="0">
-                <a:latin typeface="Oxygen" charset="0"/>
-                <a:ea typeface="Oxygen" charset="0"/>
-                <a:cs typeface="Oxygen" charset="0"/>
-              </a:rPr>
-              <a:t>Key Features</a:t>
-            </a:r>
-            <a:endParaRPr dirty="0">
-              <a:latin typeface="Oxygen" charset="0"/>
-              <a:ea typeface="Oxygen" charset="0"/>
-              <a:cs typeface="Oxygen" charset="0"/>
-            </a:endParaRPr>
+              <a:rPr lang="en-US" dirty="0" smtClean="0"/>
+              <a:t>Outline</a:t>
+            </a:r>
+            <a:endParaRPr dirty="0"/>
           </a:p>
         </p:txBody>
       </p:sp>
@@ -4398,8 +4413,8 @@
         </p:nvSpPr>
         <p:spPr>
           <a:xfrm>
-            <a:off x="474480" y="837508"/>
-            <a:ext cx="8415103" cy="4832092"/>
+            <a:off x="529200" y="1356713"/>
+            <a:ext cx="8415103" cy="1600438"/>
           </a:xfrm>
           <a:prstGeom prst="rect">
             <a:avLst/>
@@ -4422,152 +4437,7 @@
                 <a:ea typeface="Oxygen" charset="0"/>
                 <a:cs typeface="Oxygen" charset="0"/>
               </a:rPr>
-              <a:t>Takes input file in the form of standard maven output format</a:t>
-            </a:r>
-          </a:p>
-          <a:p>
-            <a:endParaRPr lang="en-US" sz="1400" dirty="0" smtClean="0">
-              <a:latin typeface="Oxygen" charset="0"/>
-              <a:ea typeface="Oxygen" charset="0"/>
-              <a:cs typeface="Oxygen" charset="0"/>
-            </a:endParaRPr>
-          </a:p>
-          <a:p>
-            <a:pPr marL="285750" indent="-285750">
-              <a:buFont typeface="Arial" charset="0"/>
-              <a:buChar char="•"/>
-            </a:pPr>
-            <a:r>
-              <a:rPr lang="en-US" sz="1400" dirty="0" smtClean="0">
-                <a:latin typeface="Oxygen" charset="0"/>
-                <a:ea typeface="Oxygen" charset="0"/>
-                <a:cs typeface="Oxygen" charset="0"/>
-              </a:rPr>
-              <a:t>Input can be in the form of csv/</a:t>
-            </a:r>
-            <a:r>
-              <a:rPr lang="en-US" sz="1400" dirty="0" err="1" smtClean="0">
-                <a:latin typeface="Oxygen" charset="0"/>
-                <a:ea typeface="Oxygen" charset="0"/>
-                <a:cs typeface="Oxygen" charset="0"/>
-              </a:rPr>
-              <a:t>xls</a:t>
-            </a:r>
-            <a:r>
-              <a:rPr lang="en-US" sz="1400" dirty="0" smtClean="0">
-                <a:latin typeface="Oxygen" charset="0"/>
-                <a:ea typeface="Oxygen" charset="0"/>
-                <a:cs typeface="Oxygen" charset="0"/>
-              </a:rPr>
-              <a:t>/</a:t>
-            </a:r>
-            <a:r>
-              <a:rPr lang="en-US" sz="1400" dirty="0" err="1" smtClean="0">
-                <a:latin typeface="Oxygen" charset="0"/>
-                <a:ea typeface="Oxygen" charset="0"/>
-                <a:cs typeface="Oxygen" charset="0"/>
-              </a:rPr>
-              <a:t>xlsx</a:t>
-            </a:r>
-            <a:r>
-              <a:rPr lang="en-US" sz="1400" dirty="0" smtClean="0">
-                <a:latin typeface="Oxygen" charset="0"/>
-                <a:ea typeface="Oxygen" charset="0"/>
-                <a:cs typeface="Oxygen" charset="0"/>
-              </a:rPr>
-              <a:t>/</a:t>
-            </a:r>
-            <a:r>
-              <a:rPr lang="en-US" sz="1400" dirty="0" err="1" smtClean="0">
-                <a:latin typeface="Oxygen" charset="0"/>
-                <a:ea typeface="Oxygen" charset="0"/>
-                <a:cs typeface="Oxygen" charset="0"/>
-              </a:rPr>
-              <a:t>json</a:t>
-            </a:r>
-            <a:endParaRPr lang="en-US" sz="1400" dirty="0" smtClean="0">
-              <a:latin typeface="Oxygen" charset="0"/>
-              <a:ea typeface="Oxygen" charset="0"/>
-              <a:cs typeface="Oxygen" charset="0"/>
-            </a:endParaRPr>
-          </a:p>
-          <a:p>
-            <a:endParaRPr lang="en-US" sz="1400" dirty="0" smtClean="0">
-              <a:latin typeface="Oxygen" charset="0"/>
-              <a:ea typeface="Oxygen" charset="0"/>
-              <a:cs typeface="Oxygen" charset="0"/>
-            </a:endParaRPr>
-          </a:p>
-          <a:p>
-            <a:pPr marL="285750" indent="-285750">
-              <a:buFont typeface="Arial" charset="0"/>
-              <a:buChar char="•"/>
-            </a:pPr>
-            <a:r>
-              <a:rPr lang="en-US" sz="1400" dirty="0" smtClean="0">
-                <a:latin typeface="Oxygen" charset="0"/>
-                <a:ea typeface="Oxygen" charset="0"/>
-                <a:cs typeface="Oxygen" charset="0"/>
-              </a:rPr>
-              <a:t>Allows input for metadata file (optional)</a:t>
-            </a:r>
-          </a:p>
-          <a:p>
-            <a:endParaRPr lang="en-US" sz="1400" dirty="0" smtClean="0">
-              <a:latin typeface="Oxygen" charset="0"/>
-              <a:ea typeface="Oxygen" charset="0"/>
-              <a:cs typeface="Oxygen" charset="0"/>
-            </a:endParaRPr>
-          </a:p>
-          <a:p>
-            <a:pPr marL="285750" indent="-285750">
-              <a:buFont typeface="Arial" charset="0"/>
-              <a:buChar char="•"/>
-            </a:pPr>
-            <a:r>
-              <a:rPr lang="en-US" sz="1400" dirty="0" smtClean="0">
-                <a:latin typeface="Oxygen" charset="0"/>
-                <a:ea typeface="Oxygen" charset="0"/>
-                <a:cs typeface="Oxygen" charset="0"/>
-              </a:rPr>
-              <a:t>Computes NA corrected intensities for single as well as multiple tracers using NA correction method (Van </a:t>
-            </a:r>
-            <a:r>
-              <a:rPr lang="en-US" sz="1400" dirty="0" err="1" smtClean="0">
-                <a:latin typeface="Oxygen" charset="0"/>
-                <a:ea typeface="Oxygen" charset="0"/>
-                <a:cs typeface="Oxygen" charset="0"/>
-              </a:rPr>
-              <a:t>Winden</a:t>
-            </a:r>
-            <a:r>
-              <a:rPr lang="en-US" sz="1400" dirty="0" smtClean="0">
-                <a:latin typeface="Oxygen" charset="0"/>
-                <a:ea typeface="Oxygen" charset="0"/>
-                <a:cs typeface="Oxygen" charset="0"/>
-              </a:rPr>
-              <a:t> et al)</a:t>
-            </a:r>
-          </a:p>
-          <a:p>
-            <a:endParaRPr lang="en-US" sz="1400" dirty="0" smtClean="0">
-              <a:latin typeface="Oxygen" charset="0"/>
-              <a:ea typeface="Oxygen" charset="0"/>
-              <a:cs typeface="Oxygen" charset="0"/>
-            </a:endParaRPr>
-          </a:p>
-          <a:p>
-            <a:pPr marL="285750" indent="-285750">
-              <a:buFont typeface="Arial" charset="0"/>
-              <a:buChar char="•"/>
-            </a:pPr>
-            <a:r>
-              <a:rPr lang="en-US" sz="1400" dirty="0" smtClean="0">
-                <a:latin typeface="Oxygen" charset="0"/>
-                <a:ea typeface="Oxygen" charset="0"/>
-                <a:cs typeface="Oxygen" charset="0"/>
-              </a:rPr>
-              <a:t>Corrects for indistinguishable species</a:t>
+              <a:t>Key features of the existing tool</a:t>
             </a:r>
           </a:p>
           <a:p>
@@ -4592,127 +4462,8 @@
                 <a:ea typeface="Oxygen" charset="0"/>
                 <a:cs typeface="Oxygen" charset="0"/>
               </a:rPr>
-              <a:t>Allows the user to edit default NA values of different isotopes</a:t>
-            </a:r>
-          </a:p>
-          <a:p>
-            <a:endParaRPr lang="en-US" sz="1400" dirty="0" smtClean="0">
-              <a:latin typeface="Oxygen" charset="0"/>
-              <a:ea typeface="Oxygen" charset="0"/>
-              <a:cs typeface="Oxygen" charset="0"/>
-            </a:endParaRPr>
-          </a:p>
-          <a:p>
-            <a:pPr marL="285750" indent="-285750">
-              <a:buFont typeface="Arial" charset="0"/>
-              <a:buChar char="•"/>
-            </a:pPr>
-            <a:r>
-              <a:rPr lang="en-US" sz="1400" dirty="0" smtClean="0">
-                <a:latin typeface="Oxygen" charset="0"/>
-                <a:ea typeface="Oxygen" charset="0"/>
-                <a:cs typeface="Oxygen" charset="0"/>
-              </a:rPr>
-              <a:t>Computes fractional enrichment </a:t>
-            </a:r>
-          </a:p>
-          <a:p>
-            <a:endParaRPr lang="en-US" sz="1400" dirty="0" smtClean="0">
-              <a:latin typeface="Oxygen" charset="0"/>
-              <a:ea typeface="Oxygen" charset="0"/>
-              <a:cs typeface="Oxygen" charset="0"/>
-            </a:endParaRPr>
-          </a:p>
-          <a:p>
-            <a:pPr marL="285750" indent="-285750">
-              <a:buFont typeface="Arial" charset="0"/>
-              <a:buChar char="•"/>
-            </a:pPr>
-            <a:r>
-              <a:rPr lang="en-US" sz="1400" dirty="0" smtClean="0">
-                <a:latin typeface="Oxygen" charset="0"/>
-                <a:ea typeface="Oxygen" charset="0"/>
-                <a:cs typeface="Oxygen" charset="0"/>
-              </a:rPr>
-              <a:t>Provides a </a:t>
-            </a:r>
-            <a:r>
-              <a:rPr lang="en-US" sz="1400" dirty="0" err="1" smtClean="0">
-                <a:latin typeface="Oxygen" charset="0"/>
-                <a:ea typeface="Oxygen" charset="0"/>
-                <a:cs typeface="Oxygen" charset="0"/>
-              </a:rPr>
-              <a:t>spotfire</a:t>
-            </a:r>
-            <a:r>
-              <a:rPr lang="en-US" sz="1400" dirty="0" smtClean="0">
-                <a:latin typeface="Oxygen" charset="0"/>
-                <a:ea typeface="Oxygen" charset="0"/>
-                <a:cs typeface="Oxygen" charset="0"/>
-              </a:rPr>
-              <a:t> compatible output file with input data information, metadata and all the computations.</a:t>
-            </a:r>
-          </a:p>
-          <a:p>
-            <a:endParaRPr lang="en-US" sz="1400" dirty="0" smtClean="0">
-              <a:latin typeface="Oxygen" charset="0"/>
-              <a:ea typeface="Oxygen" charset="0"/>
-              <a:cs typeface="Oxygen" charset="0"/>
-            </a:endParaRPr>
-          </a:p>
-          <a:p>
-            <a:pPr marL="285750" indent="-285750">
-              <a:buFont typeface="Arial" charset="0"/>
-              <a:buChar char="•"/>
-            </a:pPr>
-            <a:r>
-              <a:rPr lang="en-US" sz="1400" dirty="0" smtClean="0">
-                <a:latin typeface="Oxygen" charset="0"/>
-                <a:ea typeface="Oxygen" charset="0"/>
-                <a:cs typeface="Oxygen" charset="0"/>
-              </a:rPr>
-              <a:t>Allows filtering over single/multiple column values of the </a:t>
-            </a:r>
-            <a:r>
-              <a:rPr lang="en-US" sz="1400" dirty="0" err="1" smtClean="0">
-                <a:latin typeface="Oxygen" charset="0"/>
-                <a:ea typeface="Oxygen" charset="0"/>
-                <a:cs typeface="Oxygen" charset="0"/>
-              </a:rPr>
-              <a:t>ouput</a:t>
-            </a:r>
-            <a:r>
-              <a:rPr lang="en-US" sz="1400" dirty="0" smtClean="0">
-                <a:latin typeface="Oxygen" charset="0"/>
-                <a:ea typeface="Oxygen" charset="0"/>
-                <a:cs typeface="Oxygen" charset="0"/>
-              </a:rPr>
-              <a:t> </a:t>
-            </a:r>
-            <a:r>
-              <a:rPr lang="en-US" sz="1400" dirty="0" err="1" smtClean="0">
-                <a:latin typeface="Oxygen" charset="0"/>
-                <a:ea typeface="Oxygen" charset="0"/>
-                <a:cs typeface="Oxygen" charset="0"/>
-              </a:rPr>
-              <a:t>dataframe</a:t>
-            </a:r>
-            <a:endParaRPr lang="en-US" sz="1400" dirty="0" smtClean="0">
-              <a:latin typeface="Oxygen" charset="0"/>
-              <a:ea typeface="Oxygen" charset="0"/>
-              <a:cs typeface="Oxygen" charset="0"/>
-            </a:endParaRPr>
-          </a:p>
-          <a:p>
-            <a:pPr marL="285750" indent="-285750">
-              <a:buFont typeface="Arial" charset="0"/>
-              <a:buChar char="•"/>
-            </a:pPr>
-            <a:endParaRPr lang="en-US" sz="1400" dirty="0" smtClean="0">
-              <a:latin typeface="Oxygen" charset="0"/>
-              <a:ea typeface="Oxygen" charset="0"/>
-              <a:cs typeface="Oxygen" charset="0"/>
-            </a:endParaRPr>
+              <a:t>Demo of the tool</a:t>
+            </a:r>
           </a:p>
           <a:p>
             <a:pPr marL="285750" indent="-285750">
@@ -4730,18 +4481,43 @@
               <a:buFont typeface="Arial" charset="0"/>
               <a:buChar char="•"/>
             </a:pPr>
+            <a:r>
+              <a:rPr lang="en-US" sz="1400" dirty="0" smtClean="0">
+                <a:latin typeface="Oxygen" charset="0"/>
+                <a:ea typeface="Oxygen" charset="0"/>
+                <a:cs typeface="Oxygen" charset="0"/>
+              </a:rPr>
+              <a:t>Next steps</a:t>
+            </a:r>
+          </a:p>
+          <a:p>
+            <a:pPr marL="285750" indent="-285750">
+              <a:buFont typeface="Arial" charset="0"/>
+              <a:buChar char="•"/>
+            </a:pPr>
             <a:endParaRPr lang="en-US" sz="1400" dirty="0">
               <a:latin typeface="Oxygen" charset="0"/>
               <a:ea typeface="Oxygen" charset="0"/>
               <a:cs typeface="Oxygen" charset="0"/>
             </a:endParaRPr>
           </a:p>
+          <a:p>
+            <a:pPr marL="285750" indent="-285750">
+              <a:buFont typeface="Arial" charset="0"/>
+              <a:buChar char="•"/>
+            </a:pPr>
+            <a:endParaRPr lang="en-US" sz="1400" dirty="0">
+              <a:latin typeface="Oxygen" charset="0"/>
+              <a:ea typeface="Oxygen" charset="0"/>
+              <a:cs typeface="Oxygen" charset="0"/>
+            </a:endParaRPr>
+          </a:p>
         </p:txBody>
       </p:sp>
     </p:spTree>
     <p:extLst>
       <p:ext uri="{BB962C8B-B14F-4D97-AF65-F5344CB8AC3E}">
-        <p14:creationId xmlns:p14="http://schemas.microsoft.com/office/powerpoint/2010/main" val="667702941"/>
+        <p14:creationId xmlns:p14="http://schemas.microsoft.com/office/powerpoint/2010/main" val="1768794057"/>
       </p:ext>
     </p:extLst>
   </p:cSld>
@@ -4846,10 +4622,18 @@
               </a:lnSpc>
             </a:pPr>
             <a:r>
-              <a:rPr lang="en-US" dirty="0" smtClean="0"/>
-              <a:t>Next Steps</a:t>
-            </a:r>
-            <a:endParaRPr dirty="0"/>
+              <a:rPr lang="en-US" dirty="0" smtClean="0">
+                <a:latin typeface="Oxygen" charset="0"/>
+                <a:ea typeface="Oxygen" charset="0"/>
+                <a:cs typeface="Oxygen" charset="0"/>
+              </a:rPr>
+              <a:t>Key Features of the tool</a:t>
+            </a:r>
+            <a:endParaRPr dirty="0">
+              <a:latin typeface="Oxygen" charset="0"/>
+              <a:ea typeface="Oxygen" charset="0"/>
+              <a:cs typeface="Oxygen" charset="0"/>
+            </a:endParaRPr>
           </a:p>
         </p:txBody>
       </p:sp>
@@ -4977,8 +4761,8 @@
         </p:nvSpPr>
         <p:spPr>
           <a:xfrm>
-            <a:off x="529200" y="1356713"/>
-            <a:ext cx="8415103" cy="1815882"/>
+            <a:off x="439311" y="884400"/>
+            <a:ext cx="8564012" cy="4832092"/>
           </a:xfrm>
           <a:prstGeom prst="rect">
             <a:avLst/>
@@ -5001,7 +4785,15 @@
                 <a:ea typeface="Oxygen" charset="0"/>
                 <a:cs typeface="Oxygen" charset="0"/>
               </a:rPr>
-              <a:t>Testing and validation of NA corrected output using code provided by Victor.</a:t>
+              <a:t>Takes input file in the form of </a:t>
+            </a:r>
+            <a:r>
+              <a:rPr lang="en-US" sz="1400" b="1" dirty="0" smtClean="0">
+                <a:latin typeface="Oxygen" charset="0"/>
+                <a:ea typeface="Oxygen" charset="0"/>
+                <a:cs typeface="Oxygen" charset="0"/>
+              </a:rPr>
+              <a:t>standard maven format</a:t>
             </a:r>
           </a:p>
           <a:p>
@@ -5022,8 +4814,61 @@
                 <a:ea typeface="Oxygen" charset="0"/>
                 <a:cs typeface="Oxygen" charset="0"/>
               </a:rPr>
-              <a:t>To test for multiple metabolites.</a:t>
-            </a:r>
+              <a:t>Input can be in the form of </a:t>
+            </a:r>
+            <a:r>
+              <a:rPr lang="en-US" sz="1400" b="1" dirty="0" smtClean="0">
+                <a:latin typeface="Oxygen" charset="0"/>
+                <a:ea typeface="Oxygen" charset="0"/>
+                <a:cs typeface="Oxygen" charset="0"/>
+              </a:rPr>
+              <a:t>csv/</a:t>
+            </a:r>
+            <a:r>
+              <a:rPr lang="en-US" sz="1400" b="1" dirty="0" err="1" smtClean="0">
+                <a:latin typeface="Oxygen" charset="0"/>
+                <a:ea typeface="Oxygen" charset="0"/>
+                <a:cs typeface="Oxygen" charset="0"/>
+              </a:rPr>
+              <a:t>xls</a:t>
+            </a:r>
+            <a:r>
+              <a:rPr lang="en-US" sz="1400" b="1" dirty="0" smtClean="0">
+                <a:latin typeface="Oxygen" charset="0"/>
+                <a:ea typeface="Oxygen" charset="0"/>
+                <a:cs typeface="Oxygen" charset="0"/>
+              </a:rPr>
+              <a:t>/</a:t>
+            </a:r>
+            <a:r>
+              <a:rPr lang="en-US" sz="1400" b="1" dirty="0" err="1" smtClean="0">
+                <a:latin typeface="Oxygen" charset="0"/>
+                <a:ea typeface="Oxygen" charset="0"/>
+                <a:cs typeface="Oxygen" charset="0"/>
+              </a:rPr>
+              <a:t>xlsx</a:t>
+            </a:r>
+            <a:r>
+              <a:rPr lang="en-US" sz="1400" b="1" dirty="0" smtClean="0">
+                <a:latin typeface="Oxygen" charset="0"/>
+                <a:ea typeface="Oxygen" charset="0"/>
+                <a:cs typeface="Oxygen" charset="0"/>
+              </a:rPr>
+              <a:t>/txt/</a:t>
+            </a:r>
+            <a:r>
+              <a:rPr lang="en-US" sz="1400" b="1" dirty="0" err="1" smtClean="0">
+                <a:latin typeface="Oxygen" charset="0"/>
+                <a:ea typeface="Oxygen" charset="0"/>
+                <a:cs typeface="Oxygen" charset="0"/>
+              </a:rPr>
+              <a:t>json</a:t>
+            </a:r>
+            <a:endParaRPr lang="en-US" sz="1400" b="1" dirty="0" smtClean="0">
+              <a:latin typeface="Oxygen" charset="0"/>
+              <a:ea typeface="Oxygen" charset="0"/>
+              <a:cs typeface="Oxygen" charset="0"/>
+            </a:endParaRPr>
           </a:p>
           <a:p>
             <a:endParaRPr lang="en-US" sz="1400" dirty="0" smtClean="0">
@@ -5043,7 +4888,15 @@
                 <a:ea typeface="Oxygen" charset="0"/>
                 <a:cs typeface="Oxygen" charset="0"/>
               </a:rPr>
-              <a:t>To test for different chemical formulas.</a:t>
+              <a:t>Allows input for </a:t>
+            </a:r>
+            <a:r>
+              <a:rPr lang="en-US" sz="1400" b="1" dirty="0" smtClean="0">
+                <a:latin typeface="Oxygen" charset="0"/>
+                <a:ea typeface="Oxygen" charset="0"/>
+                <a:cs typeface="Oxygen" charset="0"/>
+              </a:rPr>
+              <a:t>metadata file (optional)</a:t>
             </a:r>
           </a:p>
           <a:p>
@@ -5064,7 +4917,15 @@
                 <a:ea typeface="Oxygen" charset="0"/>
                 <a:cs typeface="Oxygen" charset="0"/>
               </a:rPr>
-              <a:t>Code refactoring</a:t>
+              <a:t>Computes NA corrected intensities for </a:t>
+            </a:r>
+            <a:r>
+              <a:rPr lang="en-US" sz="1400" b="1" dirty="0" smtClean="0">
+                <a:latin typeface="Oxygen" charset="0"/>
+                <a:ea typeface="Oxygen" charset="0"/>
+                <a:cs typeface="Oxygen" charset="0"/>
+              </a:rPr>
+              <a:t>single as well as multiple tracers </a:t>
             </a:r>
             <a:r>
               <a:rPr lang="en-US" sz="1400" dirty="0" smtClean="0">
@@ -5072,8 +4933,59 @@
                 <a:ea typeface="Oxygen" charset="0"/>
                 <a:cs typeface="Oxygen" charset="0"/>
               </a:rPr>
-              <a:t> </a:t>
-            </a:r>
+              <a:t>using NA correction method (Van </a:t>
+            </a:r>
+            <a:r>
+              <a:rPr lang="en-US" sz="1400" dirty="0" err="1" smtClean="0">
+                <a:latin typeface="Oxygen" charset="0"/>
+                <a:ea typeface="Oxygen" charset="0"/>
+                <a:cs typeface="Oxygen" charset="0"/>
+              </a:rPr>
+              <a:t>Winden</a:t>
+            </a:r>
+            <a:r>
+              <a:rPr lang="en-US" sz="1400" dirty="0" smtClean="0">
+                <a:latin typeface="Oxygen" charset="0"/>
+                <a:ea typeface="Oxygen" charset="0"/>
+                <a:cs typeface="Oxygen" charset="0"/>
+              </a:rPr>
+              <a:t> et al)</a:t>
+            </a:r>
+          </a:p>
+          <a:p>
+            <a:endParaRPr lang="en-US" sz="1400" dirty="0" smtClean="0">
+              <a:latin typeface="Oxygen" charset="0"/>
+              <a:ea typeface="Oxygen" charset="0"/>
+              <a:cs typeface="Oxygen" charset="0"/>
+            </a:endParaRPr>
+          </a:p>
+          <a:p>
+            <a:pPr marL="285750" indent="-285750">
+              <a:buFont typeface="Arial" charset="0"/>
+              <a:buChar char="•"/>
+            </a:pPr>
+            <a:r>
+              <a:rPr lang="en-US" sz="1400" dirty="0" smtClean="0">
+                <a:latin typeface="Oxygen" charset="0"/>
+                <a:ea typeface="Oxygen" charset="0"/>
+                <a:cs typeface="Oxygen" charset="0"/>
+              </a:rPr>
+              <a:t>Corrects for </a:t>
+            </a:r>
+            <a:r>
+              <a:rPr lang="en-US" sz="1400" b="1" dirty="0" smtClean="0">
+                <a:latin typeface="Oxygen" charset="0"/>
+                <a:ea typeface="Oxygen" charset="0"/>
+                <a:cs typeface="Oxygen" charset="0"/>
+              </a:rPr>
+              <a:t>indistinguishable species</a:t>
+            </a:r>
+          </a:p>
+          <a:p>
+            <a:pPr marL="285750" indent="-285750">
+              <a:buFont typeface="Arial" charset="0"/>
+              <a:buChar char="•"/>
+            </a:pPr>
             <a:endParaRPr lang="en-US" sz="1400" dirty="0">
               <a:latin typeface="Oxygen" charset="0"/>
               <a:ea typeface="Oxygen" charset="0"/>
@@ -5085,18 +4997,202 @@
               <a:buFont typeface="Arial" charset="0"/>
               <a:buChar char="•"/>
             </a:pPr>
+            <a:r>
+              <a:rPr lang="en-US" sz="1400" dirty="0" smtClean="0">
+                <a:latin typeface="Oxygen" charset="0"/>
+                <a:ea typeface="Oxygen" charset="0"/>
+                <a:cs typeface="Oxygen" charset="0"/>
+              </a:rPr>
+              <a:t>Allows the user to </a:t>
+            </a:r>
+            <a:r>
+              <a:rPr lang="en-US" sz="1400" b="1" dirty="0" smtClean="0">
+                <a:latin typeface="Oxygen" charset="0"/>
+                <a:ea typeface="Oxygen" charset="0"/>
+                <a:cs typeface="Oxygen" charset="0"/>
+              </a:rPr>
+              <a:t>edit default NA values </a:t>
+            </a:r>
+            <a:r>
+              <a:rPr lang="en-US" sz="1400" dirty="0" smtClean="0">
+                <a:latin typeface="Oxygen" charset="0"/>
+                <a:ea typeface="Oxygen" charset="0"/>
+                <a:cs typeface="Oxygen" charset="0"/>
+              </a:rPr>
+              <a:t>of different isotopes</a:t>
+            </a:r>
+          </a:p>
+          <a:p>
+            <a:endParaRPr lang="en-US" sz="1400" dirty="0" smtClean="0">
+              <a:latin typeface="Oxygen" charset="0"/>
+              <a:ea typeface="Oxygen" charset="0"/>
+              <a:cs typeface="Oxygen" charset="0"/>
+            </a:endParaRPr>
+          </a:p>
+          <a:p>
+            <a:pPr marL="285750" indent="-285750">
+              <a:buFont typeface="Arial" charset="0"/>
+              <a:buChar char="•"/>
+            </a:pPr>
+            <a:r>
+              <a:rPr lang="en-US" sz="1400" dirty="0" smtClean="0">
+                <a:latin typeface="Oxygen" charset="0"/>
+                <a:ea typeface="Oxygen" charset="0"/>
+                <a:cs typeface="Oxygen" charset="0"/>
+              </a:rPr>
+              <a:t>Computes </a:t>
+            </a:r>
+            <a:r>
+              <a:rPr lang="en-US" sz="1400" b="1" dirty="0" smtClean="0">
+                <a:latin typeface="Oxygen" charset="0"/>
+                <a:ea typeface="Oxygen" charset="0"/>
+                <a:cs typeface="Oxygen" charset="0"/>
+              </a:rPr>
+              <a:t>fractional enrichment</a:t>
+            </a:r>
+          </a:p>
+          <a:p>
+            <a:endParaRPr lang="en-US" sz="1400" dirty="0" smtClean="0">
+              <a:latin typeface="Oxygen" charset="0"/>
+              <a:ea typeface="Oxygen" charset="0"/>
+              <a:cs typeface="Oxygen" charset="0"/>
+            </a:endParaRPr>
+          </a:p>
+          <a:p>
+            <a:pPr marL="285750" indent="-285750">
+              <a:buFont typeface="Arial" charset="0"/>
+              <a:buChar char="•"/>
+            </a:pPr>
+            <a:r>
+              <a:rPr lang="en-US" sz="1400" dirty="0" smtClean="0">
+                <a:latin typeface="Oxygen" charset="0"/>
+                <a:ea typeface="Oxygen" charset="0"/>
+                <a:cs typeface="Oxygen" charset="0"/>
+              </a:rPr>
+              <a:t>Provides </a:t>
+            </a:r>
+            <a:r>
+              <a:rPr lang="en-US" sz="1400" b="1" dirty="0" smtClean="0">
+                <a:latin typeface="Oxygen" charset="0"/>
+                <a:ea typeface="Oxygen" charset="0"/>
+                <a:cs typeface="Oxygen" charset="0"/>
+              </a:rPr>
+              <a:t>a </a:t>
+            </a:r>
+            <a:r>
+              <a:rPr lang="en-US" sz="1400" b="1" dirty="0" err="1" smtClean="0">
+                <a:latin typeface="Oxygen" charset="0"/>
+                <a:ea typeface="Oxygen" charset="0"/>
+                <a:cs typeface="Oxygen" charset="0"/>
+              </a:rPr>
+              <a:t>spotfire</a:t>
+            </a:r>
+            <a:r>
+              <a:rPr lang="en-US" sz="1400" b="1" dirty="0" smtClean="0">
+                <a:latin typeface="Oxygen" charset="0"/>
+                <a:ea typeface="Oxygen" charset="0"/>
+                <a:cs typeface="Oxygen" charset="0"/>
+              </a:rPr>
+              <a:t> compatible output file </a:t>
+            </a:r>
+            <a:r>
+              <a:rPr lang="en-US" sz="1400" dirty="0" smtClean="0">
+                <a:latin typeface="Oxygen" charset="0"/>
+                <a:ea typeface="Oxygen" charset="0"/>
+                <a:cs typeface="Oxygen" charset="0"/>
+              </a:rPr>
+              <a:t>with input data information, metadata and all the computations.</a:t>
+            </a:r>
+          </a:p>
+          <a:p>
+            <a:endParaRPr lang="en-US" sz="1400" dirty="0" smtClean="0">
+              <a:latin typeface="Oxygen" charset="0"/>
+              <a:ea typeface="Oxygen" charset="0"/>
+              <a:cs typeface="Oxygen" charset="0"/>
+            </a:endParaRPr>
+          </a:p>
+          <a:p>
+            <a:pPr marL="285750" indent="-285750">
+              <a:buFont typeface="Arial" charset="0"/>
+              <a:buChar char="•"/>
+            </a:pPr>
+            <a:r>
+              <a:rPr lang="en-US" sz="1400" dirty="0" smtClean="0">
+                <a:latin typeface="Oxygen" charset="0"/>
+                <a:ea typeface="Oxygen" charset="0"/>
+                <a:cs typeface="Oxygen" charset="0"/>
+              </a:rPr>
+              <a:t>Allows </a:t>
+            </a:r>
+            <a:r>
+              <a:rPr lang="en-US" sz="1400" b="1" dirty="0" smtClean="0">
+                <a:latin typeface="Oxygen" charset="0"/>
+                <a:ea typeface="Oxygen" charset="0"/>
+                <a:cs typeface="Oxygen" charset="0"/>
+              </a:rPr>
+              <a:t>filtering over single/multiple column values </a:t>
+            </a:r>
+            <a:r>
+              <a:rPr lang="en-US" sz="1400" dirty="0" smtClean="0">
+                <a:latin typeface="Oxygen" charset="0"/>
+                <a:ea typeface="Oxygen" charset="0"/>
+                <a:cs typeface="Oxygen" charset="0"/>
+              </a:rPr>
+              <a:t>of the output </a:t>
+            </a:r>
+            <a:r>
+              <a:rPr lang="en-US" sz="1400" dirty="0" err="1" smtClean="0">
+                <a:latin typeface="Oxygen" charset="0"/>
+                <a:ea typeface="Oxygen" charset="0"/>
+                <a:cs typeface="Oxygen" charset="0"/>
+              </a:rPr>
+              <a:t>dataframe</a:t>
+            </a:r>
+            <a:endParaRPr lang="en-US" sz="1400" dirty="0" smtClean="0">
+              <a:latin typeface="Oxygen" charset="0"/>
+              <a:ea typeface="Oxygen" charset="0"/>
+              <a:cs typeface="Oxygen" charset="0"/>
+            </a:endParaRPr>
+          </a:p>
+          <a:p>
+            <a:pPr marL="285750" indent="-285750">
+              <a:buFont typeface="Arial" charset="0"/>
+              <a:buChar char="•"/>
+            </a:pPr>
+            <a:endParaRPr lang="en-US" sz="1400" dirty="0" smtClean="0">
+              <a:latin typeface="Oxygen" charset="0"/>
+              <a:ea typeface="Oxygen" charset="0"/>
+              <a:cs typeface="Oxygen" charset="0"/>
+            </a:endParaRPr>
+          </a:p>
+          <a:p>
+            <a:pPr marL="285750" indent="-285750">
+              <a:buFont typeface="Arial" charset="0"/>
+              <a:buChar char="•"/>
+            </a:pPr>
             <a:endParaRPr lang="en-US" sz="1400" dirty="0">
               <a:latin typeface="Oxygen" charset="0"/>
               <a:ea typeface="Oxygen" charset="0"/>
               <a:cs typeface="Oxygen" charset="0"/>
             </a:endParaRPr>
           </a:p>
+          <a:p>
+            <a:pPr marL="285750" indent="-285750">
+              <a:buFont typeface="Arial" charset="0"/>
+              <a:buChar char="•"/>
+            </a:pPr>
+            <a:endParaRPr lang="en-US" sz="1400" dirty="0">
+              <a:latin typeface="Oxygen" charset="0"/>
+              <a:ea typeface="Oxygen" charset="0"/>
+              <a:cs typeface="Oxygen" charset="0"/>
+            </a:endParaRPr>
+          </a:p>
         </p:txBody>
       </p:sp>
     </p:spTree>
     <p:extLst>
       <p:ext uri="{BB962C8B-B14F-4D97-AF65-F5344CB8AC3E}">
-        <p14:creationId xmlns:p14="http://schemas.microsoft.com/office/powerpoint/2010/main" val="110993018"/>
+        <p14:creationId xmlns:p14="http://schemas.microsoft.com/office/powerpoint/2010/main" val="667702941"/>
       </p:ext>
     </p:extLst>
   </p:cSld>
@@ -5200,10 +5296,6 @@
                 <a:spcPct val="100000"/>
               </a:lnSpc>
             </a:pPr>
-            <a:r>
-              <a:rPr lang="en-US" dirty="0" smtClean="0"/>
-              <a:t>Summary</a:t>
-            </a:r>
             <a:endParaRPr dirty="0"/>
           </a:p>
         </p:txBody>
@@ -5332,8 +5424,8 @@
         </p:nvSpPr>
         <p:spPr>
           <a:xfrm>
-            <a:off x="529200" y="1356713"/>
-            <a:ext cx="8415103" cy="523220"/>
+            <a:off x="2580740" y="1944840"/>
+            <a:ext cx="3808338" cy="1015663"/>
           </a:xfrm>
           <a:prstGeom prst="rect">
             <a:avLst/>
@@ -5346,33 +5438,31 @@
           </a:bodyPr>
           <a:lstStyle/>
           <a:p>
-            <a:pPr marL="285750" indent="-285750">
-              <a:buFont typeface="Arial" charset="0"/>
-              <a:buChar char="•"/>
-            </a:pPr>
             <a:r>
               <a:rPr lang="en-US" sz="1400" dirty="0" smtClean="0">
                 <a:latin typeface="Oxygen" charset="0"/>
                 <a:ea typeface="Oxygen" charset="0"/>
                 <a:cs typeface="Oxygen" charset="0"/>
               </a:rPr>
-              <a:t>Testing and </a:t>
-            </a:r>
-            <a:r>
-              <a:rPr lang="en-US" sz="1400" dirty="0" err="1" smtClean="0">
+              <a:t>	</a:t>
+            </a:r>
+            <a:r>
+              <a:rPr lang="en-US" sz="3200" dirty="0" smtClean="0">
                 <a:latin typeface="Oxygen" charset="0"/>
                 <a:ea typeface="Oxygen" charset="0"/>
                 <a:cs typeface="Oxygen" charset="0"/>
               </a:rPr>
-              <a:t>alidation</a:t>
-            </a:r>
+              <a:t>Demo</a:t>
+            </a:r>
+          </a:p>
+          <a:p>
             <a:r>
               <a:rPr lang="en-US" sz="1400" dirty="0" smtClean="0">
                 <a:latin typeface="Oxygen" charset="0"/>
                 <a:ea typeface="Oxygen" charset="0"/>
                 <a:cs typeface="Oxygen" charset="0"/>
               </a:rPr>
-              <a:t> of </a:t>
+              <a:t>            Demo of the tool on Ipython</a:t>
             </a:r>
             <a:endParaRPr lang="en-US" sz="1400" dirty="0">
               <a:latin typeface="Oxygen" charset="0"/>
@@ -5381,10 +5471,6 @@
             </a:endParaRPr>
           </a:p>
           <a:p>
-            <a:pPr marL="285750" indent="-285750">
-              <a:buFont typeface="Arial" charset="0"/>
-              <a:buChar char="•"/>
-            </a:pPr>
             <a:endParaRPr lang="en-US" sz="1400" dirty="0">
               <a:latin typeface="Oxygen" charset="0"/>
               <a:ea typeface="Oxygen" charset="0"/>
@@ -5396,7 +5482,409 @@
     </p:spTree>
     <p:extLst>
       <p:ext uri="{BB962C8B-B14F-4D97-AF65-F5344CB8AC3E}">
-        <p14:creationId xmlns:p14="http://schemas.microsoft.com/office/powerpoint/2010/main" val="28264029"/>
+        <p14:creationId xmlns:p14="http://schemas.microsoft.com/office/powerpoint/2010/main" val="110993018"/>
+      </p:ext>
+    </p:extLst>
+  </p:cSld>
+  <p:clrMapOvr>
+    <a:masterClrMapping/>
+  </p:clrMapOvr>
+  <p:timing>
+    <p:tnLst>
+      <p:par>
+        <p:cTn id="1" dur="indefinite" restart="never" nodeType="tmRoot">
+          <p:childTnLst>
+            <p:seq>
+              <p:cTn id="2" nodeType="mainSeq"/>
+              <p:prevCondLst>
+                <p:cond evt="onPrev" delay="0">
+                  <p:tgtEl>
+                    <p:sldTgt/>
+                  </p:tgtEl>
+                </p:cond>
+              </p:prevCondLst>
+              <p:nextCondLst>
+                <p:cond evt="onNext" delay="0">
+                  <p:tgtEl>
+                    <p:sldTgt/>
+                  </p:tgtEl>
+                </p:cond>
+              </p:nextCondLst>
+            </p:seq>
+          </p:childTnLst>
+        </p:cTn>
+      </p:par>
+    </p:tnLst>
+  </p:timing>
+</p:sld>
+</file>
+
+<file path=ppt/slides/slide5.xml><?xml version="1.0" encoding="utf-8"?>
+<p:sld xmlns:a="http://schemas.openxmlformats.org/drawingml/2006/main" xmlns:r="http://schemas.openxmlformats.org/officeDocument/2006/relationships" xmlns:p="http://schemas.openxmlformats.org/presentationml/2006/main">
+  <p:cSld>
+    <p:spTree>
+      <p:nvGrpSpPr>
+        <p:cNvPr id="1" name=""/>
+        <p:cNvGrpSpPr/>
+        <p:nvPr/>
+      </p:nvGrpSpPr>
+      <p:grpSpPr>
+        <a:xfrm>
+          <a:off x="0" y="0"/>
+          <a:ext cx="0" cy="0"/>
+          <a:chOff x="0" y="0"/>
+          <a:chExt cx="0" cy="0"/>
+        </a:xfrm>
+      </p:grpSpPr>
+      <p:sp>
+        <p:nvSpPr>
+          <p:cNvPr id="100" name="CustomShape 1"/>
+          <p:cNvSpPr/>
+          <p:nvPr/>
+        </p:nvSpPr>
+        <p:spPr>
+          <a:xfrm>
+            <a:off x="474480" y="268920"/>
+            <a:ext cx="54720" cy="706680"/>
+          </a:xfrm>
+          <a:prstGeom prst="rect">
+            <a:avLst/>
+          </a:prstGeom>
+          <a:solidFill>
+            <a:srgbClr val="741B47"/>
+          </a:solidFill>
+          <a:ln>
+            <a:noFill/>
+          </a:ln>
+        </p:spPr>
+      </p:sp>
+      <p:sp>
+        <p:nvSpPr>
+          <p:cNvPr id="101" name="CustomShape 2"/>
+          <p:cNvSpPr/>
+          <p:nvPr/>
+        </p:nvSpPr>
+        <p:spPr>
+          <a:xfrm>
+            <a:off x="613800" y="229680"/>
+            <a:ext cx="5534752" cy="475920"/>
+          </a:xfrm>
+          <a:prstGeom prst="rect">
+            <a:avLst/>
+          </a:prstGeom>
+          <a:noFill/>
+          <a:ln>
+            <a:noFill/>
+          </a:ln>
+        </p:spPr>
+        <p:txBody>
+          <a:bodyPr lIns="90000" tIns="91440" rIns="90000" bIns="91440"/>
+          <a:lstStyle/>
+          <a:p>
+            <a:pPr>
+              <a:lnSpc>
+                <a:spcPct val="100000"/>
+              </a:lnSpc>
+            </a:pPr>
+            <a:r>
+              <a:rPr lang="en-US" dirty="0" smtClean="0">
+                <a:latin typeface="Oxygen" charset="0"/>
+                <a:ea typeface="Oxygen" charset="0"/>
+                <a:cs typeface="Oxygen" charset="0"/>
+              </a:rPr>
+              <a:t>Next Steps</a:t>
+            </a:r>
+            <a:endParaRPr dirty="0">
+              <a:latin typeface="Oxygen" charset="0"/>
+              <a:ea typeface="Oxygen" charset="0"/>
+              <a:cs typeface="Oxygen" charset="0"/>
+            </a:endParaRPr>
+          </a:p>
+        </p:txBody>
+      </p:sp>
+      <p:sp>
+        <p:nvSpPr>
+          <p:cNvPr id="102" name="CustomShape 3"/>
+          <p:cNvSpPr/>
+          <p:nvPr/>
+        </p:nvSpPr>
+        <p:spPr>
+          <a:xfrm>
+            <a:off x="663840" y="1792440"/>
+            <a:ext cx="5148000" cy="475920"/>
+          </a:xfrm>
+          <a:prstGeom prst="rect">
+            <a:avLst/>
+          </a:prstGeom>
+          <a:noFill/>
+          <a:ln>
+            <a:noFill/>
+          </a:ln>
+        </p:spPr>
+        <p:txBody>
+          <a:bodyPr lIns="90000" tIns="91440" rIns="90000" bIns="91440"/>
+          <a:lstStyle/>
+          <a:p>
+            <a:pPr>
+              <a:lnSpc>
+                <a:spcPct val="100000"/>
+              </a:lnSpc>
+            </a:pPr>
+            <a:endParaRPr/>
+          </a:p>
+          <a:p>
+            <a:pPr>
+              <a:lnSpc>
+                <a:spcPct val="100000"/>
+              </a:lnSpc>
+            </a:pPr>
+            <a:endParaRPr/>
+          </a:p>
+          <a:p>
+            <a:pPr>
+              <a:lnSpc>
+                <a:spcPct val="100000"/>
+              </a:lnSpc>
+            </a:pPr>
+            <a:endParaRPr/>
+          </a:p>
+        </p:txBody>
+      </p:sp>
+      <p:sp>
+        <p:nvSpPr>
+          <p:cNvPr id="103" name="CustomShape 4"/>
+          <p:cNvSpPr/>
+          <p:nvPr/>
+        </p:nvSpPr>
+        <p:spPr>
+          <a:xfrm>
+            <a:off x="8307000" y="4825080"/>
+            <a:ext cx="835920" cy="317520"/>
+          </a:xfrm>
+          <a:prstGeom prst="rect">
+            <a:avLst/>
+          </a:prstGeom>
+          <a:noFill/>
+          <a:ln>
+            <a:noFill/>
+          </a:ln>
+        </p:spPr>
+        <p:txBody>
+          <a:bodyPr lIns="90000" tIns="91440" rIns="90000" bIns="91440"/>
+          <a:lstStyle/>
+          <a:p>
+            <a:pPr>
+              <a:lnSpc>
+                <a:spcPct val="100000"/>
+              </a:lnSpc>
+            </a:pPr>
+            <a:r>
+              <a:rPr lang="en-IN" sz="1000">
+                <a:solidFill>
+                  <a:srgbClr val="741B47"/>
+                </a:solidFill>
+                <a:latin typeface="Tinos"/>
+                <a:ea typeface="Tinos"/>
+              </a:rPr>
+              <a:t>elucidata.io</a:t>
+            </a:r>
+            <a:endParaRPr/>
+          </a:p>
+        </p:txBody>
+      </p:sp>
+      <p:sp>
+        <p:nvSpPr>
+          <p:cNvPr id="4" name="TextBox 3"/>
+          <p:cNvSpPr txBox="1"/>
+          <p:nvPr/>
+        </p:nvSpPr>
+        <p:spPr>
+          <a:xfrm>
+            <a:off x="-441434" y="4393324"/>
+            <a:ext cx="184731" cy="369332"/>
+          </a:xfrm>
+          <a:prstGeom prst="rect">
+            <a:avLst/>
+          </a:prstGeom>
+          <a:noFill/>
+        </p:spPr>
+        <p:txBody>
+          <a:bodyPr wrap="none" rtlCol="0">
+            <a:spAutoFit/>
+          </a:bodyPr>
+          <a:lstStyle/>
+          <a:p>
+            <a:endParaRPr lang="en-US" dirty="0"/>
+          </a:p>
+        </p:txBody>
+      </p:sp>
+      <p:sp>
+        <p:nvSpPr>
+          <p:cNvPr id="9" name="TextBox 8"/>
+          <p:cNvSpPr txBox="1"/>
+          <p:nvPr/>
+        </p:nvSpPr>
+        <p:spPr>
+          <a:xfrm>
+            <a:off x="529200" y="1356713"/>
+            <a:ext cx="8415103" cy="2462213"/>
+          </a:xfrm>
+          <a:prstGeom prst="rect">
+            <a:avLst/>
+          </a:prstGeom>
+          <a:noFill/>
+        </p:spPr>
+        <p:txBody>
+          <a:bodyPr wrap="square" rtlCol="0">
+            <a:spAutoFit/>
+          </a:bodyPr>
+          <a:lstStyle/>
+          <a:p>
+            <a:pPr marL="285750" indent="-285750">
+              <a:buFont typeface="Arial" charset="0"/>
+              <a:buChar char="•"/>
+            </a:pPr>
+            <a:r>
+              <a:rPr lang="en-US" sz="1400" dirty="0" smtClean="0">
+                <a:latin typeface="Oxygen" charset="0"/>
+                <a:ea typeface="Oxygen" charset="0"/>
+                <a:cs typeface="Oxygen" charset="0"/>
+              </a:rPr>
+              <a:t>Testing and validation of NA corrected output using code provided by Victor.</a:t>
+            </a:r>
+          </a:p>
+          <a:p>
+            <a:pPr marL="285750" indent="-285750">
+              <a:buFont typeface="Arial" charset="0"/>
+              <a:buChar char="•"/>
+            </a:pPr>
+            <a:endParaRPr lang="en-US" sz="1400" dirty="0">
+              <a:latin typeface="Oxygen" charset="0"/>
+              <a:ea typeface="Oxygen" charset="0"/>
+              <a:cs typeface="Oxygen" charset="0"/>
+            </a:endParaRPr>
+          </a:p>
+          <a:p>
+            <a:pPr marL="285750" indent="-285750">
+              <a:buFont typeface="Arial" charset="0"/>
+              <a:buChar char="•"/>
+            </a:pPr>
+            <a:r>
+              <a:rPr lang="en-US" sz="1400" smtClean="0">
+                <a:latin typeface="Oxygen" charset="0"/>
+                <a:ea typeface="Oxygen" charset="0"/>
+                <a:cs typeface="Oxygen" charset="0"/>
+              </a:rPr>
+              <a:t>Testing for different </a:t>
+            </a:r>
+            <a:r>
+              <a:rPr lang="en-US" sz="1400" dirty="0" smtClean="0">
+                <a:latin typeface="Oxygen" charset="0"/>
+                <a:ea typeface="Oxygen" charset="0"/>
+                <a:cs typeface="Oxygen" charset="0"/>
+              </a:rPr>
+              <a:t>inputs </a:t>
+            </a:r>
+          </a:p>
+          <a:p>
+            <a:pPr marL="285750" indent="-285750">
+              <a:buFont typeface="Arial" charset="0"/>
+              <a:buChar char="•"/>
+            </a:pPr>
+            <a:endParaRPr lang="en-US" sz="1400" dirty="0">
+              <a:latin typeface="Oxygen" charset="0"/>
+              <a:ea typeface="Oxygen" charset="0"/>
+              <a:cs typeface="Oxygen" charset="0"/>
+            </a:endParaRPr>
+          </a:p>
+          <a:p>
+            <a:pPr marL="285750" indent="-285750">
+              <a:buFont typeface="Arial" charset="0"/>
+              <a:buChar char="•"/>
+            </a:pPr>
+            <a:r>
+              <a:rPr lang="en-US" sz="1400" dirty="0">
+                <a:latin typeface="Oxygen" charset="0"/>
+                <a:ea typeface="Oxygen" charset="0"/>
+                <a:cs typeface="Oxygen" charset="0"/>
+              </a:rPr>
+              <a:t>Code refactoring </a:t>
+            </a:r>
+          </a:p>
+          <a:p>
+            <a:endParaRPr lang="en-US" sz="1400" dirty="0">
+              <a:latin typeface="Oxygen" charset="0"/>
+              <a:ea typeface="Oxygen" charset="0"/>
+              <a:cs typeface="Oxygen" charset="0"/>
+            </a:endParaRPr>
+          </a:p>
+          <a:p>
+            <a:pPr marL="285750" indent="-285750">
+              <a:buFont typeface="Arial" charset="0"/>
+              <a:buChar char="•"/>
+            </a:pPr>
+            <a:r>
+              <a:rPr lang="en-US" sz="1400" dirty="0" smtClean="0">
+                <a:latin typeface="Oxygen" charset="0"/>
+                <a:ea typeface="Oxygen" charset="0"/>
+                <a:cs typeface="Oxygen" charset="0"/>
+              </a:rPr>
+              <a:t>Documentation of the package</a:t>
+            </a:r>
+          </a:p>
+          <a:p>
+            <a:pPr marL="285750" indent="-285750">
+              <a:buFont typeface="Arial" charset="0"/>
+              <a:buChar char="•"/>
+            </a:pPr>
+            <a:endParaRPr lang="en-US" sz="1400" dirty="0">
+              <a:latin typeface="Oxygen" charset="0"/>
+              <a:ea typeface="Oxygen" charset="0"/>
+              <a:cs typeface="Oxygen" charset="0"/>
+            </a:endParaRPr>
+          </a:p>
+          <a:p>
+            <a:pPr marL="285750" indent="-285750">
+              <a:buFont typeface="Arial" charset="0"/>
+              <a:buChar char="•"/>
+            </a:pPr>
+            <a:r>
+              <a:rPr lang="en-US" sz="1400" dirty="0" smtClean="0">
+                <a:latin typeface="Oxygen" charset="0"/>
+                <a:ea typeface="Oxygen" charset="0"/>
+                <a:cs typeface="Oxygen" charset="0"/>
+              </a:rPr>
+              <a:t>Package Delivery</a:t>
+            </a:r>
+          </a:p>
+          <a:p>
+            <a:pPr marL="285750" indent="-285750">
+              <a:buFont typeface="Arial" charset="0"/>
+              <a:buChar char="•"/>
+            </a:pPr>
+            <a:endParaRPr lang="en-US" sz="1400" dirty="0">
+              <a:latin typeface="Oxygen" charset="0"/>
+              <a:ea typeface="Oxygen" charset="0"/>
+              <a:cs typeface="Oxygen" charset="0"/>
+            </a:endParaRPr>
+          </a:p>
+          <a:p>
+            <a:pPr marL="285750" indent="-285750">
+              <a:buFont typeface="Arial" charset="0"/>
+              <a:buChar char="•"/>
+            </a:pPr>
+            <a:endParaRPr lang="en-US" sz="1400" dirty="0">
+              <a:latin typeface="Oxygen" charset="0"/>
+              <a:ea typeface="Oxygen" charset="0"/>
+              <a:cs typeface="Oxygen" charset="0"/>
+            </a:endParaRPr>
+          </a:p>
+        </p:txBody>
+      </p:sp>
+    </p:spTree>
+    <p:extLst>
+      <p:ext uri="{BB962C8B-B14F-4D97-AF65-F5344CB8AC3E}">
+        <p14:creationId xmlns:p14="http://schemas.microsoft.com/office/powerpoint/2010/main" val="353673391"/>
       </p:ext>
     </p:extLst>
   </p:cSld>
